--- a/Courses/Applied-Programmer/Programming-Fundamentals/05-Символни-низове/24.Символни-низове-StringBuilder.pptx
+++ b/Courses/Applied-Programmer/Programming-Fundamentals/05-Символни-низове/24.Символни-низове-StringBuilder.pptx
@@ -337,7 +337,7 @@
             <a:fld id="{FE5B4EDC-59C0-49C7-8ADA-5A781B329E02}" type="datetimeFigureOut">
               <a:rPr lang="en-US"/>
               <a:pPr/>
-              <a:t>16-Dec-19</a:t>
+              <a:t>19-Nov-20</a:t>
             </a:fld>
             <a:endParaRPr dirty="0"/>
           </a:p>
@@ -635,7 +635,7 @@
             <a:fld id="{F2D8D46A-B586-417D-BFBD-8C8FE0AAF762}" type="datetimeFigureOut">
               <a:rPr lang="en-US" smtClean="0"/>
               <a:pPr/>
-              <a:t>16-Dec-19</a:t>
+              <a:t>19-Nov-20</a:t>
             </a:fld>
             <a:endParaRPr lang="en-US" dirty="0"/>
           </a:p>
@@ -4568,10 +4568,10 @@
         </p:nvGrpSpPr>
         <p:grpSpPr>
           <a:xfrm>
-            <a:off x="760412" y="3583505"/>
-            <a:ext cx="5043827" cy="2524722"/>
-            <a:chOff x="745783" y="3624633"/>
-            <a:chExt cx="5043827" cy="2524722"/>
+            <a:off x="303211" y="3583505"/>
+            <a:ext cx="5501028" cy="2700637"/>
+            <a:chOff x="288582" y="3624633"/>
+            <a:chExt cx="5501028" cy="2700637"/>
           </a:xfrm>
         </p:grpSpPr>
         <p:pic>
@@ -4628,7 +4628,7 @@
           </p:blipFill>
           <p:spPr bwMode="auto">
             <a:xfrm>
-              <a:off x="745783" y="4076772"/>
+              <a:off x="298765" y="4289795"/>
               <a:ext cx="2175525" cy="761165"/>
             </a:xfrm>
             <a:prstGeom prst="roundRect">
@@ -4667,7 +4667,7 @@
           </p:nvSpPr>
           <p:spPr bwMode="auto">
             <a:xfrm>
-              <a:off x="760413" y="4998598"/>
+              <a:off x="288582" y="5064124"/>
               <a:ext cx="3187614" cy="444343"/>
             </a:xfrm>
             <a:prstGeom prst="rect">
@@ -4924,7 +4924,7 @@
           </p:nvSpPr>
           <p:spPr bwMode="auto">
             <a:xfrm>
-              <a:off x="760412" y="5403725"/>
+              <a:off x="288583" y="5517106"/>
               <a:ext cx="3187613" cy="382788"/>
             </a:xfrm>
             <a:prstGeom prst="rect">
@@ -5180,7 +5180,7 @@
           </p:nvSpPr>
           <p:spPr bwMode="auto">
             <a:xfrm>
-              <a:off x="760412" y="5690893"/>
+              <a:off x="288583" y="5866808"/>
               <a:ext cx="3810000" cy="458462"/>
             </a:xfrm>
             <a:prstGeom prst="rect">
@@ -5421,6 +5421,141 @@
           </p:txBody>
         </p:sp>
       </p:grpSp>
+      <p:sp>
+        <p:nvSpPr>
+          <p:cNvPr id="16" name="Text Placeholder 11">
+            <a:extLst>
+              <a:ext uri="{FF2B5EF4-FFF2-40B4-BE49-F238E27FC236}">
+                <a16:creationId xmlns:a16="http://schemas.microsoft.com/office/drawing/2014/main" id="{E0782664-F868-44E9-8D4F-2B1BBA684D75}"/>
+              </a:ext>
+            </a:extLst>
+          </p:cNvPr>
+          <p:cNvSpPr txBox="1">
+            <a:spLocks/>
+          </p:cNvSpPr>
+          <p:nvPr/>
+        </p:nvSpPr>
+        <p:spPr bwMode="auto">
+          <a:xfrm>
+            <a:off x="303212" y="6284142"/>
+            <a:ext cx="11885613" cy="349702"/>
+          </a:xfrm>
+          <a:prstGeom prst="rect">
+            <a:avLst/>
+          </a:prstGeom>
+          <a:noFill/>
+          <a:effectLst/>
+        </p:spPr>
+        <p:txBody>
+          <a:bodyPr vert="horz" wrap="square" lIns="36000" tIns="36000" rIns="36000" bIns="36000" rtlCol="0" anchor="ctr" anchorCtr="0">
+            <a:spAutoFit/>
+          </a:bodyPr>
+          <a:lstStyle>
+            <a:defPPr>
+              <a:defRPr lang="en-US"/>
+            </a:defPPr>
+            <a:lvl1pPr marL="0" algn="l" defTabSz="1218987" rtl="0" eaLnBrk="1" latinLnBrk="0" hangingPunct="1">
+              <a:defRPr sz="2400" kern="1200">
+                <a:solidFill>
+                  <a:schemeClr val="tx1"/>
+                </a:solidFill>
+                <a:latin typeface="+mn-lt"/>
+                <a:ea typeface="+mn-ea"/>
+                <a:cs typeface="+mn-cs"/>
+              </a:defRPr>
+            </a:lvl1pPr>
+            <a:lvl2pPr marL="609493" algn="l" defTabSz="1218987" rtl="0" eaLnBrk="1" latinLnBrk="0" hangingPunct="1">
+              <a:defRPr sz="2400" kern="1200">
+                <a:solidFill>
+                  <a:schemeClr val="tx1"/>
+                </a:solidFill>
+                <a:latin typeface="+mn-lt"/>
+                <a:ea typeface="+mn-ea"/>
+                <a:cs typeface="+mn-cs"/>
+              </a:defRPr>
+            </a:lvl2pPr>
+            <a:lvl3pPr marL="1218987" algn="l" defTabSz="1218987" rtl="0" eaLnBrk="1" latinLnBrk="0" hangingPunct="1">
+              <a:defRPr sz="2400" kern="1200">
+                <a:solidFill>
+                  <a:schemeClr val="tx1"/>
+                </a:solidFill>
+                <a:latin typeface="+mn-lt"/>
+                <a:ea typeface="+mn-ea"/>
+                <a:cs typeface="+mn-cs"/>
+              </a:defRPr>
+            </a:lvl3pPr>
+            <a:lvl4pPr marL="1828480" algn="l" defTabSz="1218987" rtl="0" eaLnBrk="1" latinLnBrk="0" hangingPunct="1">
+              <a:defRPr sz="2400" kern="1200">
+                <a:solidFill>
+                  <a:schemeClr val="tx1"/>
+                </a:solidFill>
+                <a:latin typeface="+mn-lt"/>
+                <a:ea typeface="+mn-ea"/>
+                <a:cs typeface="+mn-cs"/>
+              </a:defRPr>
+            </a:lvl4pPr>
+            <a:lvl5pPr marL="2437973" algn="l" defTabSz="1218987" rtl="0" eaLnBrk="1" latinLnBrk="0" hangingPunct="1">
+              <a:defRPr sz="2400" kern="1200">
+                <a:solidFill>
+                  <a:schemeClr val="tx1"/>
+                </a:solidFill>
+                <a:latin typeface="+mn-lt"/>
+                <a:ea typeface="+mn-ea"/>
+                <a:cs typeface="+mn-cs"/>
+              </a:defRPr>
+            </a:lvl5pPr>
+            <a:lvl6pPr marL="3047467" algn="l" defTabSz="1218987" rtl="0" eaLnBrk="1" latinLnBrk="0" hangingPunct="1">
+              <a:defRPr sz="2400" kern="1200">
+                <a:solidFill>
+                  <a:schemeClr val="tx1"/>
+                </a:solidFill>
+                <a:latin typeface="+mn-lt"/>
+                <a:ea typeface="+mn-ea"/>
+                <a:cs typeface="+mn-cs"/>
+              </a:defRPr>
+            </a:lvl6pPr>
+            <a:lvl7pPr marL="3656960" algn="l" defTabSz="1218987" rtl="0" eaLnBrk="1" latinLnBrk="0" hangingPunct="1">
+              <a:defRPr sz="2400" kern="1200">
+                <a:solidFill>
+                  <a:schemeClr val="tx1"/>
+                </a:solidFill>
+                <a:latin typeface="+mn-lt"/>
+                <a:ea typeface="+mn-ea"/>
+                <a:cs typeface="+mn-cs"/>
+              </a:defRPr>
+            </a:lvl7pPr>
+            <a:lvl8pPr marL="4266453" algn="l" defTabSz="1218987" rtl="0" eaLnBrk="1" latinLnBrk="0" hangingPunct="1">
+              <a:defRPr sz="2400" kern="1200">
+                <a:solidFill>
+                  <a:schemeClr val="tx1"/>
+                </a:solidFill>
+                <a:latin typeface="+mn-lt"/>
+                <a:ea typeface="+mn-ea"/>
+                <a:cs typeface="+mn-cs"/>
+              </a:defRPr>
+            </a:lvl8pPr>
+            <a:lvl9pPr marL="4875947" algn="l" defTabSz="1218987" rtl="0" eaLnBrk="1" latinLnBrk="0" hangingPunct="1">
+              <a:defRPr sz="2400" kern="1200">
+                <a:solidFill>
+                  <a:schemeClr val="tx1"/>
+                </a:solidFill>
+                <a:latin typeface="+mn-lt"/>
+                <a:ea typeface="+mn-ea"/>
+                <a:cs typeface="+mn-cs"/>
+              </a:defRPr>
+            </a:lvl9pPr>
+          </a:lstStyle>
+          <a:p>
+            <a:r>
+              <a:rPr lang="en-US" sz="1800" b="1" dirty="0">
+                <a:hlinkClick r:id="rId12"/>
+              </a:rPr>
+              <a:t>https://github.com/BG-IT-Edu/School-Programming/tree/main/Courses/Applied-Programmer/Programming-Fundamentals</a:t>
+            </a:r>
+            <a:endParaRPr lang="en-GB" sz="1800" b="1" dirty="0"/>
+          </a:p>
+        </p:txBody>
+      </p:sp>
     </p:spTree>
     <p:extLst>
       <p:ext uri="{BB962C8B-B14F-4D97-AF65-F5344CB8AC3E}">
@@ -5467,8 +5602,12 @@
           <a:lstStyle/>
           <a:p>
             <a:r>
-              <a:rPr lang="ru-RU" dirty="0"/>
-              <a:t>Изграждане и промяна на низове</a:t>
+              <a:rPr lang="ru-RU" dirty="0" err="1"/>
+              <a:t>Символни</a:t>
+            </a:r>
+            <a:r>
+              <a:rPr lang="ru-RU"/>
+              <a:t> низове</a:t>
             </a:r>
             <a:endParaRPr lang="en-US" dirty="0"/>
           </a:p>
@@ -5476,37 +5615,136 @@
       </p:sp>
       <p:sp>
         <p:nvSpPr>
-          <p:cNvPr id="3" name="Text Placeholder 2"/>
-          <p:cNvSpPr>
-            <a:spLocks noGrp="1"/>
+          <p:cNvPr id="6" name="Text Placeholder 11">
+            <a:extLst>
+              <a:ext uri="{FF2B5EF4-FFF2-40B4-BE49-F238E27FC236}">
+                <a16:creationId xmlns:a16="http://schemas.microsoft.com/office/drawing/2014/main" id="{66BDC4AE-2AAA-46AF-BC8A-248ED538F2FF}"/>
+              </a:ext>
+            </a:extLst>
+          </p:cNvPr>
+          <p:cNvSpPr txBox="1">
+            <a:spLocks/>
           </p:cNvSpPr>
-          <p:nvPr>
-            <p:ph type="body" sz="quarter" idx="10"/>
-          </p:nvPr>
+          <p:nvPr/>
         </p:nvSpPr>
-        <p:spPr>
+        <p:spPr bwMode="auto">
           <a:xfrm>
-            <a:off x="1529384" y="6400802"/>
-            <a:ext cx="10482604" cy="351754"/>
+            <a:off x="303212" y="6400800"/>
+            <a:ext cx="11885613" cy="349702"/>
           </a:xfrm>
+          <a:prstGeom prst="rect">
+            <a:avLst/>
+          </a:prstGeom>
+          <a:noFill/>
+          <a:effectLst/>
         </p:spPr>
         <p:txBody>
-          <a:bodyPr/>
-          <a:lstStyle/>
+          <a:bodyPr vert="horz" wrap="square" lIns="36000" tIns="36000" rIns="36000" bIns="36000" rtlCol="0" anchor="ctr" anchorCtr="0">
+            <a:spAutoFit/>
+          </a:bodyPr>
+          <a:lstStyle>
+            <a:defPPr>
+              <a:defRPr lang="en-US"/>
+            </a:defPPr>
+            <a:lvl1pPr marL="0" algn="l" defTabSz="1218987" rtl="0" eaLnBrk="1" latinLnBrk="0" hangingPunct="1">
+              <a:defRPr sz="2400" kern="1200">
+                <a:solidFill>
+                  <a:schemeClr val="tx1"/>
+                </a:solidFill>
+                <a:latin typeface="+mn-lt"/>
+                <a:ea typeface="+mn-ea"/>
+                <a:cs typeface="+mn-cs"/>
+              </a:defRPr>
+            </a:lvl1pPr>
+            <a:lvl2pPr marL="609493" algn="l" defTabSz="1218987" rtl="0" eaLnBrk="1" latinLnBrk="0" hangingPunct="1">
+              <a:defRPr sz="2400" kern="1200">
+                <a:solidFill>
+                  <a:schemeClr val="tx1"/>
+                </a:solidFill>
+                <a:latin typeface="+mn-lt"/>
+                <a:ea typeface="+mn-ea"/>
+                <a:cs typeface="+mn-cs"/>
+              </a:defRPr>
+            </a:lvl2pPr>
+            <a:lvl3pPr marL="1218987" algn="l" defTabSz="1218987" rtl="0" eaLnBrk="1" latinLnBrk="0" hangingPunct="1">
+              <a:defRPr sz="2400" kern="1200">
+                <a:solidFill>
+                  <a:schemeClr val="tx1"/>
+                </a:solidFill>
+                <a:latin typeface="+mn-lt"/>
+                <a:ea typeface="+mn-ea"/>
+                <a:cs typeface="+mn-cs"/>
+              </a:defRPr>
+            </a:lvl3pPr>
+            <a:lvl4pPr marL="1828480" algn="l" defTabSz="1218987" rtl="0" eaLnBrk="1" latinLnBrk="0" hangingPunct="1">
+              <a:defRPr sz="2400" kern="1200">
+                <a:solidFill>
+                  <a:schemeClr val="tx1"/>
+                </a:solidFill>
+                <a:latin typeface="+mn-lt"/>
+                <a:ea typeface="+mn-ea"/>
+                <a:cs typeface="+mn-cs"/>
+              </a:defRPr>
+            </a:lvl4pPr>
+            <a:lvl5pPr marL="2437973" algn="l" defTabSz="1218987" rtl="0" eaLnBrk="1" latinLnBrk="0" hangingPunct="1">
+              <a:defRPr sz="2400" kern="1200">
+                <a:solidFill>
+                  <a:schemeClr val="tx1"/>
+                </a:solidFill>
+                <a:latin typeface="+mn-lt"/>
+                <a:ea typeface="+mn-ea"/>
+                <a:cs typeface="+mn-cs"/>
+              </a:defRPr>
+            </a:lvl5pPr>
+            <a:lvl6pPr marL="3047467" algn="l" defTabSz="1218987" rtl="0" eaLnBrk="1" latinLnBrk="0" hangingPunct="1">
+              <a:defRPr sz="2400" kern="1200">
+                <a:solidFill>
+                  <a:schemeClr val="tx1"/>
+                </a:solidFill>
+                <a:latin typeface="+mn-lt"/>
+                <a:ea typeface="+mn-ea"/>
+                <a:cs typeface="+mn-cs"/>
+              </a:defRPr>
+            </a:lvl6pPr>
+            <a:lvl7pPr marL="3656960" algn="l" defTabSz="1218987" rtl="0" eaLnBrk="1" latinLnBrk="0" hangingPunct="1">
+              <a:defRPr sz="2400" kern="1200">
+                <a:solidFill>
+                  <a:schemeClr val="tx1"/>
+                </a:solidFill>
+                <a:latin typeface="+mn-lt"/>
+                <a:ea typeface="+mn-ea"/>
+                <a:cs typeface="+mn-cs"/>
+              </a:defRPr>
+            </a:lvl7pPr>
+            <a:lvl8pPr marL="4266453" algn="l" defTabSz="1218987" rtl="0" eaLnBrk="1" latinLnBrk="0" hangingPunct="1">
+              <a:defRPr sz="2400" kern="1200">
+                <a:solidFill>
+                  <a:schemeClr val="tx1"/>
+                </a:solidFill>
+                <a:latin typeface="+mn-lt"/>
+                <a:ea typeface="+mn-ea"/>
+                <a:cs typeface="+mn-cs"/>
+              </a:defRPr>
+            </a:lvl8pPr>
+            <a:lvl9pPr marL="4875947" algn="l" defTabSz="1218987" rtl="0" eaLnBrk="1" latinLnBrk="0" hangingPunct="1">
+              <a:defRPr sz="2400" kern="1200">
+                <a:solidFill>
+                  <a:schemeClr val="tx1"/>
+                </a:solidFill>
+                <a:latin typeface="+mn-lt"/>
+                <a:ea typeface="+mn-ea"/>
+                <a:cs typeface="+mn-cs"/>
+              </a:defRPr>
+            </a:lvl9pPr>
+          </a:lstStyle>
           <a:p>
             <a:r>
-              <a:rPr lang="en-US" dirty="0">
+              <a:rPr lang="en-US" sz="1800" b="1" dirty="0">
                 <a:hlinkClick r:id="rId3"/>
               </a:rPr>
-              <a:t>https://it-kariera.mon.bg/</a:t>
-            </a:r>
-            <a:r>
-              <a:rPr lang="en-US">
-                <a:hlinkClick r:id="rId3"/>
-              </a:rPr>
-              <a:t>e-learning/</a:t>
-            </a:r>
-            <a:endParaRPr lang="en-US" dirty="0"/>
+              <a:t>https://github.com/BG-IT-Edu/School-Programming/tree/main/Courses/Applied-Programmer/Programming-Fundamentals</a:t>
+            </a:r>
+            <a:endParaRPr lang="en-GB" sz="1800" b="1" dirty="0"/>
           </a:p>
         </p:txBody>
       </p:sp>

--- a/Courses/Applied-Programmer/Programming-Fundamentals/05-Символни-низове/24.Символни-низове-StringBuilder.pptx
+++ b/Courses/Applied-Programmer/Programming-Fundamentals/05-Символни-низове/24.Символни-низове-StringBuilder.pptx
@@ -337,7 +337,7 @@
             <a:fld id="{FE5B4EDC-59C0-49C7-8ADA-5A781B329E02}" type="datetimeFigureOut">
               <a:rPr lang="en-US"/>
               <a:pPr/>
-              <a:t>19-Nov-20</a:t>
+              <a:t>21-Nov-20</a:t>
             </a:fld>
             <a:endParaRPr dirty="0"/>
           </a:p>
@@ -635,7 +635,7 @@
             <a:fld id="{F2D8D46A-B586-417D-BFBD-8C8FE0AAF762}" type="datetimeFigureOut">
               <a:rPr lang="en-US" smtClean="0"/>
               <a:pPr/>
-              <a:t>19-Nov-20</a:t>
+              <a:t>21-Nov-20</a:t>
             </a:fld>
             <a:endParaRPr lang="en-US" dirty="0"/>
           </a:p>
@@ -6395,36 +6395,6 @@
               <a:rPr lang="bg-BG" dirty="0"/>
               <a:t>Примери</a:t>
             </a:r>
-          </a:p>
-          <a:p>
-            <a:pPr marL="514350" indent="-514350">
-              <a:lnSpc>
-                <a:spcPct val="150000"/>
-              </a:lnSpc>
-              <a:buFont typeface="+mj-lt"/>
-              <a:buAutoNum type="arabicPeriod"/>
-            </a:pPr>
-            <a:r>
-              <a:rPr lang="bg-BG" dirty="0"/>
-              <a:t>Задача:</a:t>
-            </a:r>
-            <a:r>
-              <a:rPr lang="en-GB" dirty="0"/>
-              <a:t> </a:t>
-            </a:r>
-            <a:r>
-              <a:rPr lang="bg-BG" dirty="0"/>
-              <a:t>Съединяване на символни низове</a:t>
-            </a:r>
-          </a:p>
-          <a:p>
-            <a:pPr marL="514350" indent="-514350">
-              <a:lnSpc>
-                <a:spcPct val="150000"/>
-              </a:lnSpc>
-              <a:buFont typeface="+mj-lt"/>
-              <a:buAutoNum type="arabicPeriod"/>
-            </a:pPr>
             <a:endParaRPr lang="en-US" dirty="0"/>
           </a:p>
         </p:txBody>
@@ -6529,6 +6499,183 @@
   <p:clrMapOvr>
     <a:masterClrMapping/>
   </p:clrMapOvr>
+  <p:timing>
+    <p:tnLst>
+      <p:par>
+        <p:cTn id="1" dur="indefinite" restart="never" nodeType="tmRoot">
+          <p:childTnLst>
+            <p:seq concurrent="1" nextAc="seek">
+              <p:cTn id="2" dur="indefinite" nodeType="mainSeq">
+                <p:childTnLst>
+                  <p:par>
+                    <p:cTn id="3" fill="hold">
+                      <p:stCondLst>
+                        <p:cond delay="indefinite"/>
+                      </p:stCondLst>
+                      <p:childTnLst>
+                        <p:par>
+                          <p:cTn id="4" fill="hold">
+                            <p:stCondLst>
+                              <p:cond delay="0"/>
+                            </p:stCondLst>
+                            <p:childTnLst>
+                              <p:par>
+                                <p:cTn id="5" presetID="1" presetClass="entr" presetSubtype="0" fill="hold" nodeType="clickEffect">
+                                  <p:stCondLst>
+                                    <p:cond delay="0"/>
+                                  </p:stCondLst>
+                                  <p:childTnLst>
+                                    <p:set>
+                                      <p:cBhvr>
+                                        <p:cTn id="6" dur="1" fill="hold">
+                                          <p:stCondLst>
+                                            <p:cond delay="0"/>
+                                          </p:stCondLst>
+                                        </p:cTn>
+                                        <p:tgtEl>
+                                          <p:spTgt spid="7">
+                                            <p:txEl>
+                                              <p:pRg st="1" end="1"/>
+                                            </p:txEl>
+                                          </p:spTgt>
+                                        </p:tgtEl>
+                                        <p:attrNameLst>
+                                          <p:attrName>style.visibility</p:attrName>
+                                        </p:attrNameLst>
+                                      </p:cBhvr>
+                                      <p:to>
+                                        <p:strVal val="visible"/>
+                                      </p:to>
+                                    </p:set>
+                                  </p:childTnLst>
+                                </p:cTn>
+                              </p:par>
+                            </p:childTnLst>
+                          </p:cTn>
+                        </p:par>
+                      </p:childTnLst>
+                    </p:cTn>
+                  </p:par>
+                  <p:par>
+                    <p:cTn id="7" fill="hold">
+                      <p:stCondLst>
+                        <p:cond delay="indefinite"/>
+                      </p:stCondLst>
+                      <p:childTnLst>
+                        <p:par>
+                          <p:cTn id="8" fill="hold">
+                            <p:stCondLst>
+                              <p:cond delay="0"/>
+                            </p:stCondLst>
+                            <p:childTnLst>
+                              <p:par>
+                                <p:cTn id="9" presetID="1" presetClass="entr" presetSubtype="0" fill="hold" nodeType="clickEffect">
+                                  <p:stCondLst>
+                                    <p:cond delay="0"/>
+                                  </p:stCondLst>
+                                  <p:childTnLst>
+                                    <p:set>
+                                      <p:cBhvr>
+                                        <p:cTn id="10" dur="1" fill="hold">
+                                          <p:stCondLst>
+                                            <p:cond delay="0"/>
+                                          </p:stCondLst>
+                                        </p:cTn>
+                                        <p:tgtEl>
+                                          <p:spTgt spid="7">
+                                            <p:txEl>
+                                              <p:pRg st="2" end="2"/>
+                                            </p:txEl>
+                                          </p:spTgt>
+                                        </p:tgtEl>
+                                        <p:attrNameLst>
+                                          <p:attrName>style.visibility</p:attrName>
+                                        </p:attrNameLst>
+                                      </p:cBhvr>
+                                      <p:to>
+                                        <p:strVal val="visible"/>
+                                      </p:to>
+                                    </p:set>
+                                  </p:childTnLst>
+                                </p:cTn>
+                              </p:par>
+                            </p:childTnLst>
+                          </p:cTn>
+                        </p:par>
+                      </p:childTnLst>
+                    </p:cTn>
+                  </p:par>
+                  <p:par>
+                    <p:cTn id="11" fill="hold">
+                      <p:stCondLst>
+                        <p:cond delay="indefinite"/>
+                      </p:stCondLst>
+                      <p:childTnLst>
+                        <p:par>
+                          <p:cTn id="12" fill="hold">
+                            <p:stCondLst>
+                              <p:cond delay="0"/>
+                            </p:stCondLst>
+                            <p:childTnLst>
+                              <p:par>
+                                <p:cTn id="13" presetID="1" presetClass="entr" presetSubtype="0" fill="hold" nodeType="clickEffect">
+                                  <p:stCondLst>
+                                    <p:cond delay="0"/>
+                                  </p:stCondLst>
+                                  <p:childTnLst>
+                                    <p:set>
+                                      <p:cBhvr>
+                                        <p:cTn id="14" dur="1" fill="hold">
+                                          <p:stCondLst>
+                                            <p:cond delay="0"/>
+                                          </p:stCondLst>
+                                        </p:cTn>
+                                        <p:tgtEl>
+                                          <p:spTgt spid="7">
+                                            <p:txEl>
+                                              <p:pRg st="3" end="3"/>
+                                            </p:txEl>
+                                          </p:spTgt>
+                                        </p:tgtEl>
+                                        <p:attrNameLst>
+                                          <p:attrName>style.visibility</p:attrName>
+                                        </p:attrNameLst>
+                                      </p:cBhvr>
+                                      <p:to>
+                                        <p:strVal val="visible"/>
+                                      </p:to>
+                                    </p:set>
+                                  </p:childTnLst>
+                                </p:cTn>
+                              </p:par>
+                            </p:childTnLst>
+                          </p:cTn>
+                        </p:par>
+                      </p:childTnLst>
+                    </p:cTn>
+                  </p:par>
+                </p:childTnLst>
+              </p:cTn>
+              <p:prevCondLst>
+                <p:cond evt="onPrev" delay="0">
+                  <p:tgtEl>
+                    <p:sldTgt/>
+                  </p:tgtEl>
+                </p:cond>
+              </p:prevCondLst>
+              <p:nextCondLst>
+                <p:cond evt="onNext" delay="0">
+                  <p:tgtEl>
+                    <p:sldTgt/>
+                  </p:tgtEl>
+                </p:cond>
+              </p:nextCondLst>
+            </p:seq>
+          </p:childTnLst>
+        </p:cTn>
+      </p:par>
+    </p:tnLst>
+  </p:timing>
 </p:sld>
 </file>
 
@@ -15782,6 +15929,187 @@
   <p:clrMapOvr>
     <a:masterClrMapping/>
   </p:clrMapOvr>
+  <p:timing>
+    <p:tnLst>
+      <p:par>
+        <p:cTn id="1" dur="indefinite" restart="never" nodeType="tmRoot">
+          <p:childTnLst>
+            <p:seq concurrent="1" nextAc="seek">
+              <p:cTn id="2" dur="indefinite" nodeType="mainSeq">
+                <p:childTnLst>
+                  <p:par>
+                    <p:cTn id="3" fill="hold">
+                      <p:stCondLst>
+                        <p:cond delay="indefinite"/>
+                      </p:stCondLst>
+                      <p:childTnLst>
+                        <p:par>
+                          <p:cTn id="4" fill="hold">
+                            <p:stCondLst>
+                              <p:cond delay="0"/>
+                            </p:stCondLst>
+                            <p:childTnLst>
+                              <p:par>
+                                <p:cTn id="5" presetID="1" presetClass="entr" presetSubtype="0" fill="hold" nodeType="clickEffect">
+                                  <p:stCondLst>
+                                    <p:cond delay="0"/>
+                                  </p:stCondLst>
+                                  <p:childTnLst>
+                                    <p:set>
+                                      <p:cBhvr>
+                                        <p:cTn id="6" dur="1" fill="hold">
+                                          <p:stCondLst>
+                                            <p:cond delay="0"/>
+                                          </p:stCondLst>
+                                        </p:cTn>
+                                        <p:tgtEl>
+                                          <p:spTgt spid="6">
+                                            <p:txEl>
+                                              <p:pRg st="1" end="1"/>
+                                            </p:txEl>
+                                          </p:spTgt>
+                                        </p:tgtEl>
+                                        <p:attrNameLst>
+                                          <p:attrName>style.visibility</p:attrName>
+                                        </p:attrNameLst>
+                                      </p:cBhvr>
+                                      <p:to>
+                                        <p:strVal val="visible"/>
+                                      </p:to>
+                                    </p:set>
+                                  </p:childTnLst>
+                                </p:cTn>
+                              </p:par>
+                            </p:childTnLst>
+                          </p:cTn>
+                        </p:par>
+                      </p:childTnLst>
+                    </p:cTn>
+                  </p:par>
+                  <p:par>
+                    <p:cTn id="7" fill="hold">
+                      <p:stCondLst>
+                        <p:cond delay="indefinite"/>
+                      </p:stCondLst>
+                      <p:childTnLst>
+                        <p:par>
+                          <p:cTn id="8" fill="hold">
+                            <p:stCondLst>
+                              <p:cond delay="0"/>
+                            </p:stCondLst>
+                            <p:childTnLst>
+                              <p:par>
+                                <p:cTn id="9" presetID="1" presetClass="entr" presetSubtype="0" fill="hold" grpId="0" nodeType="clickEffect">
+                                  <p:stCondLst>
+                                    <p:cond delay="0"/>
+                                  </p:stCondLst>
+                                  <p:childTnLst>
+                                    <p:set>
+                                      <p:cBhvr>
+                                        <p:cTn id="10" dur="1" fill="hold">
+                                          <p:stCondLst>
+                                            <p:cond delay="0"/>
+                                          </p:stCondLst>
+                                        </p:cTn>
+                                        <p:tgtEl>
+                                          <p:spTgt spid="9"/>
+                                        </p:tgtEl>
+                                        <p:attrNameLst>
+                                          <p:attrName>style.visibility</p:attrName>
+                                        </p:attrNameLst>
+                                      </p:cBhvr>
+                                      <p:to>
+                                        <p:strVal val="visible"/>
+                                      </p:to>
+                                    </p:set>
+                                  </p:childTnLst>
+                                </p:cTn>
+                              </p:par>
+                              <p:par>
+                                <p:cTn id="11" presetID="1" presetClass="entr" presetSubtype="0" fill="hold" nodeType="withEffect">
+                                  <p:stCondLst>
+                                    <p:cond delay="0"/>
+                                  </p:stCondLst>
+                                  <p:childTnLst>
+                                    <p:set>
+                                      <p:cBhvr>
+                                        <p:cTn id="12" dur="1" fill="hold">
+                                          <p:stCondLst>
+                                            <p:cond delay="0"/>
+                                          </p:stCondLst>
+                                        </p:cTn>
+                                        <p:tgtEl>
+                                          <p:spTgt spid="5"/>
+                                        </p:tgtEl>
+                                        <p:attrNameLst>
+                                          <p:attrName>style.visibility</p:attrName>
+                                        </p:attrNameLst>
+                                      </p:cBhvr>
+                                      <p:to>
+                                        <p:strVal val="visible"/>
+                                      </p:to>
+                                    </p:set>
+                                  </p:childTnLst>
+                                </p:cTn>
+                              </p:par>
+                              <p:par>
+                                <p:cTn id="13" presetID="1" presetClass="entr" presetSubtype="0" fill="hold" nodeType="withEffect">
+                                  <p:stCondLst>
+                                    <p:cond delay="0"/>
+                                  </p:stCondLst>
+                                  <p:childTnLst>
+                                    <p:set>
+                                      <p:cBhvr>
+                                        <p:cTn id="14" dur="1" fill="hold">
+                                          <p:stCondLst>
+                                            <p:cond delay="0"/>
+                                          </p:stCondLst>
+                                        </p:cTn>
+                                        <p:tgtEl>
+                                          <p:spTgt spid="10"/>
+                                        </p:tgtEl>
+                                        <p:attrNameLst>
+                                          <p:attrName>style.visibility</p:attrName>
+                                        </p:attrNameLst>
+                                      </p:cBhvr>
+                                      <p:to>
+                                        <p:strVal val="visible"/>
+                                      </p:to>
+                                    </p:set>
+                                  </p:childTnLst>
+                                </p:cTn>
+                              </p:par>
+                            </p:childTnLst>
+                          </p:cTn>
+                        </p:par>
+                      </p:childTnLst>
+                    </p:cTn>
+                  </p:par>
+                </p:childTnLst>
+              </p:cTn>
+              <p:prevCondLst>
+                <p:cond evt="onPrev" delay="0">
+                  <p:tgtEl>
+                    <p:sldTgt/>
+                  </p:tgtEl>
+                </p:cond>
+              </p:prevCondLst>
+              <p:nextCondLst>
+                <p:cond evt="onNext" delay="0">
+                  <p:tgtEl>
+                    <p:sldTgt/>
+                  </p:tgtEl>
+                </p:cond>
+              </p:nextCondLst>
+            </p:seq>
+          </p:childTnLst>
+        </p:cTn>
+      </p:par>
+    </p:tnLst>
+    <p:bldLst>
+      <p:bldP spid="9" grpId="0" animBg="1"/>
+    </p:bldLst>
+  </p:timing>
 </p:sld>
 </file>
 
@@ -17322,9 +17650,6 @@
                     <p:cTn id="3" fill="hold">
                       <p:stCondLst>
                         <p:cond delay="indefinite"/>
-                        <p:cond evt="onBegin" delay="0">
-                          <p:tn val="2"/>
-                        </p:cond>
                       </p:stCondLst>
                       <p:childTnLst>
                         <p:par>
@@ -17334,7 +17659,7 @@
                             </p:stCondLst>
                             <p:childTnLst>
                               <p:par>
-                                <p:cTn id="5" presetID="1" presetClass="entr" presetSubtype="0" fill="hold" grpId="0" nodeType="withEffect">
+                                <p:cTn id="5" presetID="1" presetClass="entr" presetSubtype="0" fill="hold" grpId="0" nodeType="clickEffect">
                                   <p:stCondLst>
                                     <p:cond delay="0"/>
                                   </p:stCondLst>
